--- a/Docs/Presentatie Workshop Solderen/TechDen Montage instructie.pptx
+++ b/Docs/Presentatie Workshop Solderen/TechDen Montage instructie.pptx
@@ -202,7 +202,7 @@
           <a:p>
             <a:fld id="{BAC3E3A1-E41A-4227-B246-4EC9AF64CA8B}" type="datetimeFigureOut">
               <a:rPr lang="nl-NL" smtClean="0"/>
-              <a:t>31-1-2023</a:t>
+              <a:t>21-2-2023</a:t>
             </a:fld>
             <a:endParaRPr lang="nl-NL"/>
           </a:p>
@@ -2020,7 +2020,7 @@
           <a:p>
             <a:fld id="{34D34557-819C-43FD-A2EA-1D50E17FA0BF}" type="datetimeFigureOut">
               <a:rPr lang="nl-NL" smtClean="0"/>
-              <a:t>31-1-2023</a:t>
+              <a:t>21-2-2023</a:t>
             </a:fld>
             <a:endParaRPr lang="nl-NL"/>
           </a:p>
@@ -2216,7 +2216,7 @@
           <a:p>
             <a:fld id="{34D34557-819C-43FD-A2EA-1D50E17FA0BF}" type="datetimeFigureOut">
               <a:rPr lang="nl-NL" smtClean="0"/>
-              <a:t>31-1-2023</a:t>
+              <a:t>21-2-2023</a:t>
             </a:fld>
             <a:endParaRPr lang="nl-NL"/>
           </a:p>
@@ -2401,7 +2401,7 @@
           <a:p>
             <a:fld id="{34D34557-819C-43FD-A2EA-1D50E17FA0BF}" type="datetimeFigureOut">
               <a:rPr lang="nl-NL" smtClean="0"/>
-              <a:t>31-1-2023</a:t>
+              <a:t>21-2-2023</a:t>
             </a:fld>
             <a:endParaRPr lang="nl-NL"/>
           </a:p>
@@ -2551,7 +2551,7 @@
           <a:p>
             <a:fld id="{34D34557-819C-43FD-A2EA-1D50E17FA0BF}" type="datetimeFigureOut">
               <a:rPr lang="nl-NL" smtClean="0"/>
-              <a:t>31-1-2023</a:t>
+              <a:t>21-2-2023</a:t>
             </a:fld>
             <a:endParaRPr lang="nl-NL"/>
           </a:p>
@@ -2806,7 +2806,7 @@
           <a:p>
             <a:fld id="{34D34557-819C-43FD-A2EA-1D50E17FA0BF}" type="datetimeFigureOut">
               <a:rPr lang="nl-NL" smtClean="0"/>
-              <a:t>31-1-2023</a:t>
+              <a:t>21-2-2023</a:t>
             </a:fld>
             <a:endParaRPr lang="nl-NL"/>
           </a:p>
@@ -3215,7 +3215,7 @@
           <a:p>
             <a:fld id="{34D34557-819C-43FD-A2EA-1D50E17FA0BF}" type="datetimeFigureOut">
               <a:rPr lang="nl-NL" smtClean="0"/>
-              <a:t>31-1-2023</a:t>
+              <a:t>21-2-2023</a:t>
             </a:fld>
             <a:endParaRPr lang="nl-NL"/>
           </a:p>
@@ -3661,7 +3661,7 @@
           <a:p>
             <a:fld id="{34D34557-819C-43FD-A2EA-1D50E17FA0BF}" type="datetimeFigureOut">
               <a:rPr lang="nl-NL" smtClean="0"/>
-              <a:t>31-1-2023</a:t>
+              <a:t>21-2-2023</a:t>
             </a:fld>
             <a:endParaRPr lang="nl-NL"/>
           </a:p>
@@ -3762,7 +3762,7 @@
           <a:p>
             <a:fld id="{34D34557-819C-43FD-A2EA-1D50E17FA0BF}" type="datetimeFigureOut">
               <a:rPr lang="nl-NL" smtClean="0"/>
-              <a:t>31-1-2023</a:t>
+              <a:t>21-2-2023</a:t>
             </a:fld>
             <a:endParaRPr lang="nl-NL"/>
           </a:p>
@@ -3883,7 +3883,7 @@
           <a:p>
             <a:fld id="{34D34557-819C-43FD-A2EA-1D50E17FA0BF}" type="datetimeFigureOut">
               <a:rPr lang="nl-NL" smtClean="0"/>
-              <a:t>31-1-2023</a:t>
+              <a:t>21-2-2023</a:t>
             </a:fld>
             <a:endParaRPr lang="nl-NL"/>
           </a:p>
@@ -4157,7 +4157,7 @@
           <a:p>
             <a:fld id="{34D34557-819C-43FD-A2EA-1D50E17FA0BF}" type="datetimeFigureOut">
               <a:rPr lang="nl-NL" smtClean="0"/>
-              <a:t>31-1-2023</a:t>
+              <a:t>21-2-2023</a:t>
             </a:fld>
             <a:endParaRPr lang="nl-NL"/>
           </a:p>
@@ -4362,7 +4362,7 @@
           <a:p>
             <a:fld id="{34D34557-819C-43FD-A2EA-1D50E17FA0BF}" type="datetimeFigureOut">
               <a:rPr lang="nl-NL" smtClean="0"/>
-              <a:t>31-1-2023</a:t>
+              <a:t>21-2-2023</a:t>
             </a:fld>
             <a:endParaRPr lang="nl-NL"/>
           </a:p>
@@ -5471,7 +5471,7 @@
           <a:p>
             <a:fld id="{34D34557-819C-43FD-A2EA-1D50E17FA0BF}" type="datetimeFigureOut">
               <a:rPr lang="nl-NL" smtClean="0"/>
-              <a:t>31-1-2023</a:t>
+              <a:t>21-2-2023</a:t>
             </a:fld>
             <a:endParaRPr lang="nl-NL"/>
           </a:p>
@@ -6241,11 +6241,7 @@
           <a:p>
             <a:r>
               <a:rPr lang="nl-NL" dirty="0" smtClean="0"/>
-              <a:t>9 </a:t>
-            </a:r>
-            <a:r>
-              <a:rPr lang="nl-NL" dirty="0" smtClean="0"/>
-              <a:t>– </a:t>
+              <a:t>9 – </a:t>
             </a:r>
             <a:r>
               <a:rPr lang="nl-NL" dirty="0" err="1" smtClean="0"/>
@@ -7042,6 +7038,93 @@
             <a:endParaRPr lang="nl-NL" sz="3200" b="1" dirty="0">
               <a:solidFill>
                 <a:srgbClr val="FFFF00"/>
+              </a:solidFill>
+            </a:endParaRPr>
+          </a:p>
+        </p:txBody>
+      </p:sp>
+      <p:sp>
+        <p:nvSpPr>
+          <p:cNvPr id="9" name="Tekstvak 8"/>
+          <p:cNvSpPr txBox="1"/>
+          <p:nvPr/>
+        </p:nvSpPr>
+        <p:spPr>
+          <a:xfrm>
+            <a:off x="6488794" y="1124743"/>
+            <a:ext cx="3216734" cy="646331"/>
+          </a:xfrm>
+          <a:prstGeom prst="rect">
+            <a:avLst/>
+          </a:prstGeom>
+          <a:solidFill>
+            <a:schemeClr val="accent1"/>
+          </a:solidFill>
+          <a:ln w="6350">
+            <a:solidFill>
+              <a:schemeClr val="bg1"/>
+            </a:solidFill>
+          </a:ln>
+        </p:spPr>
+        <p:txBody>
+          <a:bodyPr wrap="square" rtlCol="0">
+            <a:spAutoFit/>
+          </a:bodyPr>
+          <a:lstStyle/>
+          <a:p>
+            <a:r>
+              <a:rPr lang="nl-NL" i="1" dirty="0" smtClean="0">
+                <a:solidFill>
+                  <a:schemeClr val="bg1"/>
+                </a:solidFill>
+              </a:rPr>
+              <a:t>Let op </a:t>
+            </a:r>
+            <a:r>
+              <a:rPr lang="nl-NL" i="1" dirty="0">
+                <a:solidFill>
+                  <a:schemeClr val="bg1"/>
+                </a:solidFill>
+              </a:rPr>
+              <a:t>p</a:t>
+            </a:r>
+            <a:r>
+              <a:rPr lang="nl-NL" i="1" dirty="0" smtClean="0">
+                <a:solidFill>
+                  <a:schemeClr val="bg1"/>
+                </a:solidFill>
+              </a:rPr>
+              <a:t>ositie</a:t>
+            </a:r>
+          </a:p>
+          <a:p>
+            <a:r>
+              <a:rPr lang="nl-NL" i="1" dirty="0" smtClean="0">
+                <a:solidFill>
+                  <a:schemeClr val="bg1"/>
+                </a:solidFill>
+              </a:rPr>
+              <a:t>Korte pin = k(</a:t>
+            </a:r>
+            <a:r>
+              <a:rPr lang="nl-NL" i="1" dirty="0" err="1" smtClean="0">
+                <a:solidFill>
+                  <a:schemeClr val="bg1"/>
+                </a:solidFill>
+              </a:rPr>
+              <a:t>athode</a:t>
+            </a:r>
+            <a:r>
+              <a:rPr lang="nl-NL" i="1" dirty="0" smtClean="0">
+                <a:solidFill>
+                  <a:schemeClr val="bg1"/>
+                </a:solidFill>
+              </a:rPr>
+              <a:t>)</a:t>
+            </a:r>
+            <a:endParaRPr lang="nl-NL" i="1" dirty="0">
+              <a:solidFill>
+                <a:schemeClr val="bg1"/>
               </a:solidFill>
             </a:endParaRPr>
           </a:p>
@@ -7527,6 +7610,102 @@
           </a:fontRef>
         </p:style>
       </p:cxnSp>
+      <p:sp>
+        <p:nvSpPr>
+          <p:cNvPr id="10" name="Tekstvak 9"/>
+          <p:cNvSpPr txBox="1"/>
+          <p:nvPr/>
+        </p:nvSpPr>
+        <p:spPr>
+          <a:xfrm>
+            <a:off x="3833836" y="3433087"/>
+            <a:ext cx="2050708" cy="646331"/>
+          </a:xfrm>
+          <a:prstGeom prst="rect">
+            <a:avLst/>
+          </a:prstGeom>
+          <a:solidFill>
+            <a:schemeClr val="accent1"/>
+          </a:solidFill>
+          <a:ln w="6350">
+            <a:solidFill>
+              <a:schemeClr val="bg1"/>
+            </a:solidFill>
+          </a:ln>
+        </p:spPr>
+        <p:txBody>
+          <a:bodyPr wrap="square" rtlCol="0">
+            <a:spAutoFit/>
+          </a:bodyPr>
+          <a:lstStyle/>
+          <a:p>
+            <a:r>
+              <a:rPr lang="nl-NL" i="1" dirty="0" smtClean="0">
+                <a:solidFill>
+                  <a:schemeClr val="bg1"/>
+                </a:solidFill>
+              </a:rPr>
+              <a:t>Let op </a:t>
+            </a:r>
+            <a:endParaRPr lang="nl-NL" i="1" dirty="0" smtClean="0">
+              <a:solidFill>
+                <a:schemeClr val="bg1"/>
+              </a:solidFill>
+            </a:endParaRPr>
+          </a:p>
+          <a:p>
+            <a:r>
+              <a:rPr lang="nl-NL" i="1" dirty="0" smtClean="0">
+                <a:solidFill>
+                  <a:schemeClr val="bg1"/>
+                </a:solidFill>
+              </a:rPr>
+              <a:t>waarde; 10k</a:t>
+            </a:r>
+            <a:endParaRPr lang="nl-NL" i="1" dirty="0">
+              <a:solidFill>
+                <a:schemeClr val="bg1"/>
+              </a:solidFill>
+            </a:endParaRPr>
+          </a:p>
+        </p:txBody>
+      </p:sp>
+      <p:cxnSp>
+        <p:nvCxnSpPr>
+          <p:cNvPr id="11" name="Rechte verbindingslijn met pijl 10"/>
+          <p:cNvCxnSpPr/>
+          <p:nvPr/>
+        </p:nvCxnSpPr>
+        <p:spPr>
+          <a:xfrm flipV="1">
+            <a:off x="5917508" y="2946162"/>
+            <a:ext cx="2884880" cy="948590"/>
+          </a:xfrm>
+          <a:prstGeom prst="straightConnector1">
+            <a:avLst/>
+          </a:prstGeom>
+          <a:ln w="25400">
+            <a:solidFill>
+              <a:schemeClr val="bg1"/>
+            </a:solidFill>
+            <a:tailEnd type="arrow"/>
+          </a:ln>
+        </p:spPr>
+        <p:style>
+          <a:lnRef idx="1">
+            <a:schemeClr val="accent1"/>
+          </a:lnRef>
+          <a:fillRef idx="0">
+            <a:schemeClr val="accent1"/>
+          </a:fillRef>
+          <a:effectRef idx="0">
+            <a:schemeClr val="accent1"/>
+          </a:effectRef>
+          <a:fontRef idx="minor">
+            <a:schemeClr val="tx1"/>
+          </a:fontRef>
+        </p:style>
+      </p:cxnSp>
     </p:spTree>
     <p:extLst>
       <p:ext uri="{BB962C8B-B14F-4D97-AF65-F5344CB8AC3E}">
@@ -8425,11 +8604,7 @@
           <a:p>
             <a:r>
               <a:rPr lang="nl-NL" dirty="0" smtClean="0"/>
-              <a:t>5 – </a:t>
-            </a:r>
-            <a:r>
-              <a:rPr lang="nl-NL" dirty="0" smtClean="0"/>
-              <a:t>Condensatoren, </a:t>
+              <a:t>5 – Condensatoren, </a:t>
             </a:r>
             <a:br>
               <a:rPr lang="nl-NL" dirty="0" smtClean="0"/>
@@ -8488,7 +8663,7 @@
         </p:nvSpPr>
         <p:spPr>
           <a:xfrm>
-            <a:off x="4268246" y="3436488"/>
+            <a:off x="4289206" y="3255273"/>
             <a:ext cx="1474644" cy="646331"/>
           </a:xfrm>
           <a:prstGeom prst="rect">
@@ -8730,13 +8905,149 @@
       <p:cxnSp>
         <p:nvCxnSpPr>
           <p:cNvPr id="13" name="Rechte verbindingslijn met pijl 12"/>
+          <p:cNvCxnSpPr>
+            <a:stCxn id="11" idx="3"/>
+          </p:cNvCxnSpPr>
+          <p:nvPr/>
+        </p:nvCxnSpPr>
+        <p:spPr>
+          <a:xfrm flipV="1">
+            <a:off x="5763850" y="3538271"/>
+            <a:ext cx="1045636" cy="40168"/>
+          </a:xfrm>
+          <a:prstGeom prst="straightConnector1">
+            <a:avLst/>
+          </a:prstGeom>
+          <a:ln w="25400">
+            <a:solidFill>
+              <a:schemeClr val="bg1"/>
+            </a:solidFill>
+            <a:tailEnd type="arrow"/>
+          </a:ln>
+        </p:spPr>
+        <p:style>
+          <a:lnRef idx="1">
+            <a:schemeClr val="accent1"/>
+          </a:lnRef>
+          <a:fillRef idx="0">
+            <a:schemeClr val="accent1"/>
+          </a:fillRef>
+          <a:effectRef idx="0">
+            <a:schemeClr val="accent1"/>
+          </a:effectRef>
+          <a:fontRef idx="minor">
+            <a:schemeClr val="tx1"/>
+          </a:fontRef>
+        </p:style>
+      </p:cxnSp>
+      <p:sp>
+        <p:nvSpPr>
+          <p:cNvPr id="14" name="Tekstvak 13"/>
+          <p:cNvSpPr txBox="1"/>
+          <p:nvPr/>
+        </p:nvSpPr>
+        <p:spPr>
+          <a:xfrm>
+            <a:off x="3800872" y="4113946"/>
+            <a:ext cx="2050708" cy="646331"/>
+          </a:xfrm>
+          <a:prstGeom prst="rect">
+            <a:avLst/>
+          </a:prstGeom>
+          <a:solidFill>
+            <a:schemeClr val="accent1"/>
+          </a:solidFill>
+          <a:ln w="6350">
+            <a:solidFill>
+              <a:schemeClr val="bg1"/>
+            </a:solidFill>
+          </a:ln>
+        </p:spPr>
+        <p:txBody>
+          <a:bodyPr wrap="square" rtlCol="0">
+            <a:spAutoFit/>
+          </a:bodyPr>
+          <a:lstStyle/>
+          <a:p>
+            <a:r>
+              <a:rPr lang="nl-NL" i="1" dirty="0" smtClean="0">
+                <a:solidFill>
+                  <a:schemeClr val="bg1"/>
+                </a:solidFill>
+              </a:rPr>
+              <a:t>Let op </a:t>
+            </a:r>
+            <a:endParaRPr lang="nl-NL" i="1" dirty="0" smtClean="0">
+              <a:solidFill>
+                <a:schemeClr val="bg1"/>
+              </a:solidFill>
+            </a:endParaRPr>
+          </a:p>
+          <a:p>
+            <a:r>
+              <a:rPr lang="nl-NL" i="1" dirty="0" smtClean="0">
+                <a:solidFill>
+                  <a:schemeClr val="bg1"/>
+                </a:solidFill>
+              </a:rPr>
+              <a:t>waarde; 22pF</a:t>
+            </a:r>
+            <a:endParaRPr lang="nl-NL" i="1" dirty="0">
+              <a:solidFill>
+                <a:schemeClr val="bg1"/>
+              </a:solidFill>
+            </a:endParaRPr>
+          </a:p>
+        </p:txBody>
+      </p:sp>
+      <p:cxnSp>
+        <p:nvCxnSpPr>
+          <p:cNvPr id="15" name="Rechte verbindingslijn met pijl 14"/>
+          <p:cNvCxnSpPr>
+            <a:stCxn id="14" idx="3"/>
+          </p:cNvCxnSpPr>
+          <p:nvPr/>
+        </p:nvCxnSpPr>
+        <p:spPr>
+          <a:xfrm flipV="1">
+            <a:off x="5851580" y="3690673"/>
+            <a:ext cx="1549692" cy="746439"/>
+          </a:xfrm>
+          <a:prstGeom prst="straightConnector1">
+            <a:avLst/>
+          </a:prstGeom>
+          <a:ln w="25400">
+            <a:solidFill>
+              <a:schemeClr val="bg1"/>
+            </a:solidFill>
+            <a:tailEnd type="arrow"/>
+          </a:ln>
+        </p:spPr>
+        <p:style>
+          <a:lnRef idx="1">
+            <a:schemeClr val="accent1"/>
+          </a:lnRef>
+          <a:fillRef idx="0">
+            <a:schemeClr val="accent1"/>
+          </a:fillRef>
+          <a:effectRef idx="0">
+            <a:schemeClr val="accent1"/>
+          </a:effectRef>
+          <a:fontRef idx="minor">
+            <a:schemeClr val="tx1"/>
+          </a:fontRef>
+        </p:style>
+      </p:cxnSp>
+      <p:cxnSp>
+        <p:nvCxnSpPr>
+          <p:cNvPr id="16" name="Rechte verbindingslijn met pijl 15"/>
           <p:cNvCxnSpPr/>
           <p:nvPr/>
         </p:nvCxnSpPr>
         <p:spPr>
           <a:xfrm flipV="1">
-            <a:off x="5763850" y="3538270"/>
-            <a:ext cx="1045636" cy="221383"/>
+            <a:off x="5884544" y="3627021"/>
+            <a:ext cx="2884880" cy="948590"/>
           </a:xfrm>
           <a:prstGeom prst="straightConnector1">
             <a:avLst/>
@@ -9047,11 +9358,7 @@
           <a:p>
             <a:r>
               <a:rPr lang="nl-NL" dirty="0" smtClean="0"/>
-              <a:t>6 </a:t>
-            </a:r>
-            <a:r>
-              <a:rPr lang="nl-NL" dirty="0" smtClean="0"/>
-              <a:t>– Schakelaars</a:t>
+              <a:t>6 – Schakelaars</a:t>
             </a:r>
             <a:br>
               <a:rPr lang="nl-NL" dirty="0" smtClean="0"/>
@@ -9240,6 +9547,89 @@
           </a:p>
         </p:txBody>
       </p:sp>
+      <p:sp>
+        <p:nvSpPr>
+          <p:cNvPr id="11" name="Tekstvak 10"/>
+          <p:cNvSpPr txBox="1"/>
+          <p:nvPr/>
+        </p:nvSpPr>
+        <p:spPr>
+          <a:xfrm>
+            <a:off x="4289206" y="3255273"/>
+            <a:ext cx="1474644" cy="646331"/>
+          </a:xfrm>
+          <a:prstGeom prst="rect">
+            <a:avLst/>
+          </a:prstGeom>
+          <a:solidFill>
+            <a:schemeClr val="accent1"/>
+          </a:solidFill>
+          <a:ln w="6350">
+            <a:solidFill>
+              <a:schemeClr val="bg1"/>
+            </a:solidFill>
+          </a:ln>
+        </p:spPr>
+        <p:txBody>
+          <a:bodyPr wrap="square" rtlCol="0">
+            <a:spAutoFit/>
+          </a:bodyPr>
+          <a:lstStyle/>
+          <a:p>
+            <a:r>
+              <a:rPr lang="nl-NL" i="1" dirty="0" smtClean="0">
+                <a:solidFill>
+                  <a:schemeClr val="bg1"/>
+                </a:solidFill>
+              </a:rPr>
+              <a:t>Let op Positie</a:t>
+            </a:r>
+            <a:endParaRPr lang="nl-NL" i="1" dirty="0">
+              <a:solidFill>
+                <a:schemeClr val="bg1"/>
+              </a:solidFill>
+            </a:endParaRPr>
+          </a:p>
+        </p:txBody>
+      </p:sp>
+      <p:cxnSp>
+        <p:nvCxnSpPr>
+          <p:cNvPr id="13" name="Rechte verbindingslijn met pijl 12"/>
+          <p:cNvCxnSpPr>
+            <a:stCxn id="11" idx="3"/>
+          </p:cNvCxnSpPr>
+          <p:nvPr/>
+        </p:nvCxnSpPr>
+        <p:spPr>
+          <a:xfrm flipV="1">
+            <a:off x="5763850" y="3124902"/>
+            <a:ext cx="1421398" cy="453537"/>
+          </a:xfrm>
+          <a:prstGeom prst="straightConnector1">
+            <a:avLst/>
+          </a:prstGeom>
+          <a:ln w="25400">
+            <a:solidFill>
+              <a:schemeClr val="bg1"/>
+            </a:solidFill>
+            <a:tailEnd type="arrow"/>
+          </a:ln>
+        </p:spPr>
+        <p:style>
+          <a:lnRef idx="1">
+            <a:schemeClr val="accent1"/>
+          </a:lnRef>
+          <a:fillRef idx="0">
+            <a:schemeClr val="accent1"/>
+          </a:fillRef>
+          <a:effectRef idx="0">
+            <a:schemeClr val="accent1"/>
+          </a:effectRef>
+          <a:fontRef idx="minor">
+            <a:schemeClr val="tx1"/>
+          </a:fontRef>
+        </p:style>
+      </p:cxnSp>
     </p:spTree>
     <p:extLst>
       <p:ext uri="{BB962C8B-B14F-4D97-AF65-F5344CB8AC3E}">
@@ -9478,15 +9868,7 @@
           <a:p>
             <a:r>
               <a:rPr lang="nl-NL" dirty="0" smtClean="0"/>
-              <a:t>7</a:t>
-            </a:r>
-            <a:r>
-              <a:rPr lang="nl-NL" dirty="0" smtClean="0"/>
-              <a:t> </a:t>
-            </a:r>
-            <a:r>
-              <a:rPr lang="nl-NL" dirty="0" smtClean="0"/>
-              <a:t>– </a:t>
+              <a:t>7 – </a:t>
             </a:r>
             <a:r>
               <a:rPr lang="nl-NL" dirty="0" err="1" smtClean="0"/>
@@ -9731,7 +10113,15 @@
                   <a:schemeClr val="bg1"/>
                 </a:solidFill>
               </a:rPr>
-              <a:t>Let op polariteit</a:t>
+              <a:t>Let op </a:t>
+            </a:r>
+            <a:r>
+              <a:rPr lang="nl-NL" i="1" dirty="0" smtClean="0">
+                <a:solidFill>
+                  <a:schemeClr val="bg1"/>
+                </a:solidFill>
+              </a:rPr>
+              <a:t>positie</a:t>
             </a:r>
             <a:endParaRPr lang="nl-NL" i="1" dirty="0">
               <a:solidFill>
@@ -10074,11 +10464,7 @@
             </a:r>
             <a:r>
               <a:rPr lang="nl-NL" dirty="0" smtClean="0"/>
-              <a:t> </a:t>
-            </a:r>
-            <a:r>
-              <a:rPr lang="nl-NL" dirty="0" smtClean="0"/>
-              <a:t>– </a:t>
+              <a:t> – </a:t>
             </a:r>
             <a:r>
               <a:rPr lang="nl-NL" dirty="0" err="1" smtClean="0"/>
